--- a/World CO2 Emission.pptx
+++ b/World CO2 Emission.pptx
@@ -5,10 +5,10 @@
     <p:sldMasterId id="2147483648" r:id="rId1"/>
   </p:sldMasterIdLst>
   <p:notesMasterIdLst>
-    <p:notesMasterId r:id="rId17"/>
+    <p:notesMasterId r:id="rId18"/>
   </p:notesMasterIdLst>
   <p:handoutMasterIdLst>
-    <p:handoutMasterId r:id="rId18"/>
+    <p:handoutMasterId r:id="rId19"/>
   </p:handoutMasterIdLst>
   <p:sldIdLst>
     <p:sldId id="258" r:id="rId2"/>
@@ -26,6 +26,7 @@
     <p:sldId id="292" r:id="rId14"/>
     <p:sldId id="293" r:id="rId15"/>
     <p:sldId id="294" r:id="rId16"/>
+    <p:sldId id="296" r:id="rId17"/>
   </p:sldIdLst>
   <p:sldSz cx="12192000" cy="6858000"/>
   <p:notesSz cx="6858000" cy="9144000"/>
@@ -10007,7 +10008,7 @@
         </p:blipFill>
         <p:spPr bwMode="auto">
           <a:xfrm>
-            <a:off x="0" y="2000250"/>
+            <a:off x="0" y="1916906"/>
             <a:ext cx="12192000" cy="4941094"/>
           </a:xfrm>
           <a:prstGeom prst="rect">
@@ -10086,6 +10087,156 @@
               <a:rPr lang="en-GB" dirty="0"/>
               <a:t>A historical analysis to explain our present</a:t>
             </a:r>
+          </a:p>
+        </p:txBody>
+      </p:sp>
+      <p:sp>
+        <p:nvSpPr>
+          <p:cNvPr id="6" name="TextBox 5">
+            <a:extLst>
+              <a:ext uri="{FF2B5EF4-FFF2-40B4-BE49-F238E27FC236}">
+                <a16:creationId xmlns:a16="http://schemas.microsoft.com/office/drawing/2014/main" id="{59DEB774-4271-E3A0-38F9-81DDCCAB75A6}"/>
+              </a:ext>
+            </a:extLst>
+          </p:cNvPr>
+          <p:cNvSpPr txBox="1"/>
+          <p:nvPr/>
+        </p:nvSpPr>
+        <p:spPr>
+          <a:xfrm>
+            <a:off x="7619281" y="6035701"/>
+            <a:ext cx="6094562" cy="646331"/>
+          </a:xfrm>
+          <a:prstGeom prst="rect">
+            <a:avLst/>
+          </a:prstGeom>
+          <a:noFill/>
+        </p:spPr>
+        <p:txBody>
+          <a:bodyPr wrap="square">
+            <a:spAutoFit/>
+          </a:bodyPr>
+          <a:lstStyle/>
+          <a:p>
+            <a:r>
+              <a:rPr lang="en-GB" sz="1800" kern="100" dirty="0">
+                <a:solidFill>
+                  <a:schemeClr val="bg1"/>
+                </a:solidFill>
+                <a:effectLst/>
+                <a:latin typeface="Calibri" panose="020F0502020204030204" pitchFamily="34" charset="0"/>
+                <a:ea typeface="Calibri" panose="020F0502020204030204" pitchFamily="34" charset="0"/>
+                <a:cs typeface="Times New Roman" panose="02020603050405020304" pitchFamily="18" charset="0"/>
+              </a:rPr>
+              <a:t>Team members: </a:t>
+            </a:r>
+            <a:r>
+              <a:rPr lang="en-GB" sz="1800" kern="100" dirty="0" err="1">
+                <a:solidFill>
+                  <a:schemeClr val="bg1"/>
+                </a:solidFill>
+                <a:effectLst/>
+                <a:latin typeface="Calibri" panose="020F0502020204030204" pitchFamily="34" charset="0"/>
+                <a:ea typeface="Calibri" panose="020F0502020204030204" pitchFamily="34" charset="0"/>
+                <a:cs typeface="Times New Roman" panose="02020603050405020304" pitchFamily="18" charset="0"/>
+              </a:rPr>
+              <a:t>Tooba</a:t>
+            </a:r>
+            <a:r>
+              <a:rPr lang="en-GB" sz="1800" kern="100" dirty="0">
+                <a:solidFill>
+                  <a:schemeClr val="bg1"/>
+                </a:solidFill>
+                <a:effectLst/>
+                <a:latin typeface="Calibri" panose="020F0502020204030204" pitchFamily="34" charset="0"/>
+                <a:ea typeface="Calibri" panose="020F0502020204030204" pitchFamily="34" charset="0"/>
+                <a:cs typeface="Times New Roman" panose="02020603050405020304" pitchFamily="18" charset="0"/>
+              </a:rPr>
+              <a:t> Ahmad, Ana </a:t>
+            </a:r>
+            <a:r>
+              <a:rPr lang="en-GB" sz="1800" kern="100" dirty="0" err="1">
+                <a:solidFill>
+                  <a:schemeClr val="bg1"/>
+                </a:solidFill>
+                <a:effectLst/>
+                <a:latin typeface="Calibri" panose="020F0502020204030204" pitchFamily="34" charset="0"/>
+                <a:ea typeface="Calibri" panose="020F0502020204030204" pitchFamily="34" charset="0"/>
+                <a:cs typeface="Times New Roman" panose="02020603050405020304" pitchFamily="18" charset="0"/>
+              </a:rPr>
+              <a:t>Tripple</a:t>
+            </a:r>
+            <a:r>
+              <a:rPr lang="en-GB" sz="1800" kern="100" dirty="0">
+                <a:solidFill>
+                  <a:schemeClr val="bg1"/>
+                </a:solidFill>
+                <a:effectLst/>
+                <a:latin typeface="Calibri" panose="020F0502020204030204" pitchFamily="34" charset="0"/>
+                <a:ea typeface="Calibri" panose="020F0502020204030204" pitchFamily="34" charset="0"/>
+                <a:cs typeface="Times New Roman" panose="02020603050405020304" pitchFamily="18" charset="0"/>
+              </a:rPr>
+              <a:t>,</a:t>
+            </a:r>
+          </a:p>
+          <a:p>
+            <a:r>
+              <a:rPr lang="en-GB" sz="1800" kern="100" dirty="0">
+                <a:solidFill>
+                  <a:schemeClr val="bg1"/>
+                </a:solidFill>
+                <a:effectLst/>
+                <a:latin typeface="Calibri" panose="020F0502020204030204" pitchFamily="34" charset="0"/>
+                <a:ea typeface="Calibri" panose="020F0502020204030204" pitchFamily="34" charset="0"/>
+                <a:cs typeface="Times New Roman" panose="02020603050405020304" pitchFamily="18" charset="0"/>
+              </a:rPr>
+              <a:t>                              Mahbub </a:t>
+            </a:r>
+            <a:r>
+              <a:rPr lang="en-GB" sz="1800" kern="100" dirty="0" err="1">
+                <a:solidFill>
+                  <a:schemeClr val="bg1"/>
+                </a:solidFill>
+                <a:effectLst/>
+                <a:latin typeface="Calibri" panose="020F0502020204030204" pitchFamily="34" charset="0"/>
+                <a:ea typeface="Calibri" panose="020F0502020204030204" pitchFamily="34" charset="0"/>
+                <a:cs typeface="Times New Roman" panose="02020603050405020304" pitchFamily="18" charset="0"/>
+              </a:rPr>
+              <a:t>Rafed</a:t>
+            </a:r>
+            <a:r>
+              <a:rPr lang="en-GB" sz="1800" kern="100" dirty="0">
+                <a:solidFill>
+                  <a:schemeClr val="bg1"/>
+                </a:solidFill>
+                <a:effectLst/>
+                <a:latin typeface="Calibri" panose="020F0502020204030204" pitchFamily="34" charset="0"/>
+                <a:ea typeface="Calibri" panose="020F0502020204030204" pitchFamily="34" charset="0"/>
+                <a:cs typeface="Times New Roman" panose="02020603050405020304" pitchFamily="18" charset="0"/>
+              </a:rPr>
+              <a:t>, Uche </a:t>
+            </a:r>
+            <a:r>
+              <a:rPr lang="en-GB" sz="1800" kern="100" dirty="0" err="1">
+                <a:solidFill>
+                  <a:schemeClr val="bg1"/>
+                </a:solidFill>
+                <a:effectLst/>
+                <a:latin typeface="Calibri" panose="020F0502020204030204" pitchFamily="34" charset="0"/>
+                <a:ea typeface="Calibri" panose="020F0502020204030204" pitchFamily="34" charset="0"/>
+                <a:cs typeface="Times New Roman" panose="02020603050405020304" pitchFamily="18" charset="0"/>
+              </a:rPr>
+              <a:t>Chioma</a:t>
+            </a:r>
+            <a:endParaRPr lang="en-GB" sz="1800" kern="100" dirty="0">
+              <a:solidFill>
+                <a:schemeClr val="bg1"/>
+              </a:solidFill>
+              <a:effectLst/>
+              <a:latin typeface="Calibri" panose="020F0502020204030204" pitchFamily="34" charset="0"/>
+              <a:ea typeface="Calibri" panose="020F0502020204030204" pitchFamily="34" charset="0"/>
+              <a:cs typeface="Times New Roman" panose="02020603050405020304" pitchFamily="18" charset="0"/>
+            </a:endParaRPr>
           </a:p>
         </p:txBody>
       </p:sp>
@@ -11453,6 +11604,113 @@
     <p:extLst>
       <p:ext uri="{BB962C8B-B14F-4D97-AF65-F5344CB8AC3E}">
         <p14:creationId xmlns:p14="http://schemas.microsoft.com/office/powerpoint/2010/main" val="219689195"/>
+      </p:ext>
+    </p:extLst>
+  </p:cSld>
+  <p:clrMapOvr>
+    <a:masterClrMapping/>
+  </p:clrMapOvr>
+  <mc:AlternateContent xmlns:mc="http://schemas.openxmlformats.org/markup-compatibility/2006" xmlns:p14="http://schemas.microsoft.com/office/powerpoint/2010/main">
+    <mc:Choice Requires="p14">
+      <p:transition spd="med" p14:dur="700">
+        <p:fade/>
+      </p:transition>
+    </mc:Choice>
+    <mc:Fallback xmlns="">
+      <p:transition spd="med">
+        <p:fade/>
+      </p:transition>
+    </mc:Fallback>
+  </mc:AlternateContent>
+</p:sld>
+</file>
+
+<file path=ppt/slides/slide16.xml><?xml version="1.0" encoding="utf-8"?>
+<p:sld xmlns:a="http://schemas.openxmlformats.org/drawingml/2006/main" xmlns:r="http://schemas.openxmlformats.org/officeDocument/2006/relationships" xmlns:p="http://schemas.openxmlformats.org/presentationml/2006/main">
+  <p:cSld>
+    <p:spTree>
+      <p:nvGrpSpPr>
+        <p:cNvPr id="1" name=""/>
+        <p:cNvGrpSpPr/>
+        <p:nvPr/>
+      </p:nvGrpSpPr>
+      <p:grpSpPr>
+        <a:xfrm>
+          <a:off x="0" y="0"/>
+          <a:ext cx="0" cy="0"/>
+          <a:chOff x="0" y="0"/>
+          <a:chExt cx="0" cy="0"/>
+        </a:xfrm>
+      </p:grpSpPr>
+      <p:sp>
+        <p:nvSpPr>
+          <p:cNvPr id="2" name="Title 1">
+            <a:extLst>
+              <a:ext uri="{FF2B5EF4-FFF2-40B4-BE49-F238E27FC236}">
+                <a16:creationId xmlns:a16="http://schemas.microsoft.com/office/drawing/2014/main" id="{8ADD97B8-0B77-88EE-67B9-F27D64CA510E}"/>
+              </a:ext>
+            </a:extLst>
+          </p:cNvPr>
+          <p:cNvSpPr>
+            <a:spLocks noGrp="1"/>
+          </p:cNvSpPr>
+          <p:nvPr>
+            <p:ph type="title"/>
+          </p:nvPr>
+        </p:nvSpPr>
+        <p:spPr>
+          <a:xfrm>
+            <a:off x="1142607" y="2622472"/>
+            <a:ext cx="9371949" cy="1183566"/>
+          </a:xfrm>
+        </p:spPr>
+        <p:txBody>
+          <a:bodyPr>
+            <a:normAutofit/>
+          </a:bodyPr>
+          <a:lstStyle/>
+          <a:p>
+            <a:r>
+              <a:rPr lang="en-GB" sz="6000" dirty="0"/>
+              <a:t>THANK YOU!</a:t>
+            </a:r>
+          </a:p>
+        </p:txBody>
+      </p:sp>
+      <p:sp>
+        <p:nvSpPr>
+          <p:cNvPr id="4" name="Slide Number Placeholder 3">
+            <a:extLst>
+              <a:ext uri="{FF2B5EF4-FFF2-40B4-BE49-F238E27FC236}">
+                <a16:creationId xmlns:a16="http://schemas.microsoft.com/office/drawing/2014/main" id="{F8F4D692-85EA-6884-E204-4C2CD66E1867}"/>
+              </a:ext>
+            </a:extLst>
+          </p:cNvPr>
+          <p:cNvSpPr>
+            <a:spLocks noGrp="1"/>
+          </p:cNvSpPr>
+          <p:nvPr>
+            <p:ph type="sldNum" sz="quarter" idx="12"/>
+          </p:nvPr>
+        </p:nvSpPr>
+        <p:spPr/>
+        <p:txBody>
+          <a:bodyPr/>
+          <a:lstStyle/>
+          <a:p>
+            <a:pPr rtl="0"/>
+            <a:fld id="{9CD8D479-8942-46E8-A226-A4E01F7A105C}" type="slidenum">
+              <a:rPr lang="en-GB" noProof="0" smtClean="0"/>
+              <a:t>16</a:t>
+            </a:fld>
+            <a:endParaRPr lang="en-GB" noProof="0" dirty="0"/>
+          </a:p>
+        </p:txBody>
+      </p:sp>
+    </p:spTree>
+    <p:extLst>
+      <p:ext uri="{BB962C8B-B14F-4D97-AF65-F5344CB8AC3E}">
+        <p14:creationId xmlns:p14="http://schemas.microsoft.com/office/powerpoint/2010/main" val="1507567251"/>
       </p:ext>
     </p:extLst>
   </p:cSld>

--- a/World CO2 Emission.pptx
+++ b/World CO2 Emission.pptx
@@ -5,10 +5,10 @@
     <p:sldMasterId id="2147483648" r:id="rId1"/>
   </p:sldMasterIdLst>
   <p:notesMasterIdLst>
-    <p:notesMasterId r:id="rId18"/>
+    <p:notesMasterId r:id="rId20"/>
   </p:notesMasterIdLst>
   <p:handoutMasterIdLst>
-    <p:handoutMasterId r:id="rId19"/>
+    <p:handoutMasterId r:id="rId21"/>
   </p:handoutMasterIdLst>
   <p:sldIdLst>
     <p:sldId id="258" r:id="rId2"/>
@@ -17,16 +17,18 @@
     <p:sldId id="276" r:id="rId5"/>
     <p:sldId id="284" r:id="rId6"/>
     <p:sldId id="285" r:id="rId7"/>
-    <p:sldId id="287" r:id="rId8"/>
-    <p:sldId id="289" r:id="rId9"/>
-    <p:sldId id="288" r:id="rId10"/>
-    <p:sldId id="290" r:id="rId11"/>
-    <p:sldId id="295" r:id="rId12"/>
-    <p:sldId id="291" r:id="rId13"/>
-    <p:sldId id="292" r:id="rId14"/>
-    <p:sldId id="293" r:id="rId15"/>
-    <p:sldId id="294" r:id="rId16"/>
-    <p:sldId id="296" r:id="rId17"/>
+    <p:sldId id="260" r:id="rId8"/>
+    <p:sldId id="287" r:id="rId9"/>
+    <p:sldId id="289" r:id="rId10"/>
+    <p:sldId id="288" r:id="rId11"/>
+    <p:sldId id="290" r:id="rId12"/>
+    <p:sldId id="295" r:id="rId13"/>
+    <p:sldId id="297" r:id="rId14"/>
+    <p:sldId id="291" r:id="rId15"/>
+    <p:sldId id="292" r:id="rId16"/>
+    <p:sldId id="293" r:id="rId17"/>
+    <p:sldId id="294" r:id="rId18"/>
+    <p:sldId id="296" r:id="rId19"/>
   </p:sldIdLst>
   <p:sldSz cx="12192000" cy="6858000"/>
   <p:notesSz cx="6858000" cy="9144000"/>
@@ -6476,6 +6478,93 @@
 </p:notes>
 </file>
 
+<file path=ppt/notesSlides/notesSlide5.xml><?xml version="1.0" encoding="utf-8"?>
+<p:notes xmlns:a="http://schemas.openxmlformats.org/drawingml/2006/main" xmlns:r="http://schemas.openxmlformats.org/officeDocument/2006/relationships" xmlns:p="http://schemas.openxmlformats.org/presentationml/2006/main">
+  <p:cSld>
+    <p:spTree>
+      <p:nvGrpSpPr>
+        <p:cNvPr id="1" name=""/>
+        <p:cNvGrpSpPr/>
+        <p:nvPr/>
+      </p:nvGrpSpPr>
+      <p:grpSpPr>
+        <a:xfrm>
+          <a:off x="0" y="0"/>
+          <a:ext cx="0" cy="0"/>
+          <a:chOff x="0" y="0"/>
+          <a:chExt cx="0" cy="0"/>
+        </a:xfrm>
+      </p:grpSpPr>
+      <p:sp>
+        <p:nvSpPr>
+          <p:cNvPr id="2" name="Slide Image Placeholder 1"/>
+          <p:cNvSpPr>
+            <a:spLocks noGrp="1" noRot="1" noChangeAspect="1"/>
+          </p:cNvSpPr>
+          <p:nvPr>
+            <p:ph type="sldImg"/>
+          </p:nvPr>
+        </p:nvSpPr>
+        <p:spPr/>
+      </p:sp>
+      <p:sp>
+        <p:nvSpPr>
+          <p:cNvPr id="3" name="Notes Placeholder 2"/>
+          <p:cNvSpPr>
+            <a:spLocks noGrp="1"/>
+          </p:cNvSpPr>
+          <p:nvPr>
+            <p:ph type="body" idx="1"/>
+          </p:nvPr>
+        </p:nvSpPr>
+        <p:spPr/>
+        <p:txBody>
+          <a:bodyPr/>
+          <a:lstStyle/>
+          <a:p>
+            <a:r>
+              <a:rPr lang="en-GB" dirty="0"/>
+              <a:t>This shows the relationship between the mean Co2 emission and mean pollution </a:t>
+            </a:r>
+          </a:p>
+        </p:txBody>
+      </p:sp>
+      <p:sp>
+        <p:nvSpPr>
+          <p:cNvPr id="4" name="Slide Number Placeholder 3"/>
+          <p:cNvSpPr>
+            <a:spLocks noGrp="1"/>
+          </p:cNvSpPr>
+          <p:nvPr>
+            <p:ph type="sldNum" sz="quarter" idx="5"/>
+          </p:nvPr>
+        </p:nvSpPr>
+        <p:spPr/>
+        <p:txBody>
+          <a:bodyPr/>
+          <a:lstStyle/>
+          <a:p>
+            <a:fld id="{D3331121-B5DC-4619-9C0C-DBA0BFDAF9DD}" type="slidenum">
+              <a:rPr lang="en-GB" smtClean="0"/>
+              <a:t>7</a:t>
+            </a:fld>
+            <a:endParaRPr lang="en-GB"/>
+          </a:p>
+        </p:txBody>
+      </p:sp>
+    </p:spTree>
+    <p:extLst>
+      <p:ext uri="{BB962C8B-B14F-4D97-AF65-F5344CB8AC3E}">
+        <p14:creationId xmlns:p14="http://schemas.microsoft.com/office/powerpoint/2010/main" val="55716985"/>
+      </p:ext>
+    </p:extLst>
+  </p:cSld>
+  <p:clrMapOvr>
+    <a:masterClrMapping/>
+  </p:clrMapOvr>
+</p:notes>
+</file>
+
 <file path=ppt/slideLayouts/slideLayout1.xml><?xml version="1.0" encoding="utf-8"?>
 <p:sldLayout xmlns:a="http://schemas.openxmlformats.org/drawingml/2006/main" xmlns:r="http://schemas.openxmlformats.org/officeDocument/2006/relationships" xmlns:p="http://schemas.openxmlformats.org/presentationml/2006/main" showMasterSp="0" type="title" preserve="1">
   <p:cSld name="Title Slide">
@@ -10287,6 +10376,237 @@
           <p:cNvPr id="2" name="Title 1">
             <a:extLst>
               <a:ext uri="{FF2B5EF4-FFF2-40B4-BE49-F238E27FC236}">
+                <a16:creationId xmlns:a16="http://schemas.microsoft.com/office/drawing/2014/main" id="{CBE79417-1145-FD00-5120-CF4B4B07AA3F}"/>
+              </a:ext>
+            </a:extLst>
+          </p:cNvPr>
+          <p:cNvSpPr>
+            <a:spLocks noGrp="1"/>
+          </p:cNvSpPr>
+          <p:nvPr>
+            <p:ph type="title"/>
+          </p:nvPr>
+        </p:nvSpPr>
+        <p:spPr/>
+        <p:txBody>
+          <a:bodyPr vert="horz" lIns="91440" tIns="45720" rIns="91440" bIns="45720" rtlCol="0" anchor="b">
+            <a:normAutofit/>
+          </a:bodyPr>
+          <a:lstStyle/>
+          <a:p>
+            <a:r>
+              <a:rPr lang="en-GB" b="1" dirty="0">
+                <a:solidFill>
+                  <a:schemeClr val="tx2"/>
+                </a:solidFill>
+              </a:rPr>
+              <a:t>Industries and its Contribution </a:t>
+            </a:r>
+          </a:p>
+        </p:txBody>
+      </p:sp>
+      <p:sp>
+        <p:nvSpPr>
+          <p:cNvPr id="3" name="Content Placeholder 2">
+            <a:extLst>
+              <a:ext uri="{FF2B5EF4-FFF2-40B4-BE49-F238E27FC236}">
+                <a16:creationId xmlns:a16="http://schemas.microsoft.com/office/drawing/2014/main" id="{2BBAADCF-F399-CF24-727B-941146A7BC7B}"/>
+              </a:ext>
+            </a:extLst>
+          </p:cNvPr>
+          <p:cNvSpPr>
+            <a:spLocks noGrp="1"/>
+          </p:cNvSpPr>
+          <p:nvPr>
+            <p:ph idx="1"/>
+          </p:nvPr>
+        </p:nvSpPr>
+        <p:spPr/>
+        <p:txBody>
+          <a:bodyPr/>
+          <a:lstStyle/>
+          <a:p>
+            <a:pPr>
+              <a:lnSpc>
+                <a:spcPct val="107000"/>
+              </a:lnSpc>
+              <a:spcAft>
+                <a:spcPts val="800"/>
+              </a:spcAft>
+            </a:pPr>
+            <a:r>
+              <a:rPr lang="en-GB" sz="1800" kern="100" dirty="0">
+                <a:effectLst/>
+                <a:latin typeface="Calibri" panose="020F0502020204030204" pitchFamily="34" charset="0"/>
+                <a:ea typeface="Calibri" panose="020F0502020204030204" pitchFamily="34" charset="0"/>
+                <a:cs typeface="Times New Roman" panose="02020603050405020304" pitchFamily="18" charset="0"/>
+              </a:rPr>
+              <a:t>Next the source of CO2  was analysed . Again, cleaning and removing unnecessary columns using unique and group by, we can see </a:t>
+            </a:r>
+            <a:r>
+              <a:rPr lang="en-GB" sz="1800" kern="100" dirty="0">
+                <a:effectLst/>
+                <a:highlight>
+                  <a:srgbClr val="FFFF00"/>
+                </a:highlight>
+                <a:latin typeface="Calibri" panose="020F0502020204030204" pitchFamily="34" charset="0"/>
+                <a:ea typeface="Calibri" panose="020F0502020204030204" pitchFamily="34" charset="0"/>
+                <a:cs typeface="Times New Roman" panose="02020603050405020304" pitchFamily="18" charset="0"/>
+              </a:rPr>
+              <a:t>Coal has surpassed oil in resent day as a source of CO2.</a:t>
+            </a:r>
+            <a:r>
+              <a:rPr lang="en-GB" sz="1800" kern="100" dirty="0">
+                <a:effectLst/>
+                <a:latin typeface="Calibri" panose="020F0502020204030204" pitchFamily="34" charset="0"/>
+                <a:ea typeface="Calibri" panose="020F0502020204030204" pitchFamily="34" charset="0"/>
+                <a:cs typeface="Times New Roman" panose="02020603050405020304" pitchFamily="18" charset="0"/>
+              </a:rPr>
+              <a:t> </a:t>
+            </a:r>
+          </a:p>
+          <a:p>
+            <a:endParaRPr lang="en-GB" dirty="0"/>
+          </a:p>
+        </p:txBody>
+      </p:sp>
+      <p:sp>
+        <p:nvSpPr>
+          <p:cNvPr id="4" name="Slide Number Placeholder 3">
+            <a:extLst>
+              <a:ext uri="{FF2B5EF4-FFF2-40B4-BE49-F238E27FC236}">
+                <a16:creationId xmlns:a16="http://schemas.microsoft.com/office/drawing/2014/main" id="{117D3EB9-7EBD-B146-00AE-3BB89103B837}"/>
+              </a:ext>
+            </a:extLst>
+          </p:cNvPr>
+          <p:cNvSpPr>
+            <a:spLocks noGrp="1"/>
+          </p:cNvSpPr>
+          <p:nvPr>
+            <p:ph type="sldNum" sz="quarter" idx="12"/>
+          </p:nvPr>
+        </p:nvSpPr>
+        <p:spPr/>
+        <p:txBody>
+          <a:bodyPr/>
+          <a:lstStyle/>
+          <a:p>
+            <a:pPr rtl="0"/>
+            <a:fld id="{9CD8D479-8942-46E8-A226-A4E01F7A105C}" type="slidenum">
+              <a:rPr lang="en-GB" noProof="0" smtClean="0"/>
+              <a:t>10</a:t>
+            </a:fld>
+            <a:endParaRPr lang="en-GB" noProof="0" dirty="0"/>
+          </a:p>
+        </p:txBody>
+      </p:sp>
+      <p:pic>
+        <p:nvPicPr>
+          <p:cNvPr id="6" name="Picture 5">
+            <a:extLst>
+              <a:ext uri="{FF2B5EF4-FFF2-40B4-BE49-F238E27FC236}">
+                <a16:creationId xmlns:a16="http://schemas.microsoft.com/office/drawing/2014/main" id="{75BE03B8-BE63-FF18-E272-64B4B8A6B565}"/>
+              </a:ext>
+            </a:extLst>
+          </p:cNvPr>
+          <p:cNvPicPr>
+            <a:picLocks noChangeAspect="1"/>
+          </p:cNvPicPr>
+          <p:nvPr/>
+        </p:nvPicPr>
+        <p:blipFill>
+          <a:blip r:embed="rId2"/>
+          <a:stretch>
+            <a:fillRect/>
+          </a:stretch>
+        </p:blipFill>
+        <p:spPr>
+          <a:xfrm>
+            <a:off x="1747837" y="2758349"/>
+            <a:ext cx="5362575" cy="3028950"/>
+          </a:xfrm>
+          <a:prstGeom prst="rect">
+            <a:avLst/>
+          </a:prstGeom>
+        </p:spPr>
+      </p:pic>
+      <p:pic>
+        <p:nvPicPr>
+          <p:cNvPr id="8" name="Picture 7">
+            <a:extLst>
+              <a:ext uri="{FF2B5EF4-FFF2-40B4-BE49-F238E27FC236}">
+                <a16:creationId xmlns:a16="http://schemas.microsoft.com/office/drawing/2014/main" id="{568355DE-4216-1B1B-D959-3B5823EB3702}"/>
+              </a:ext>
+            </a:extLst>
+          </p:cNvPr>
+          <p:cNvPicPr>
+            <a:picLocks noChangeAspect="1"/>
+          </p:cNvPicPr>
+          <p:nvPr/>
+        </p:nvPicPr>
+        <p:blipFill>
+          <a:blip r:embed="rId3"/>
+          <a:stretch>
+            <a:fillRect/>
+          </a:stretch>
+        </p:blipFill>
+        <p:spPr>
+          <a:xfrm>
+            <a:off x="7296150" y="2343150"/>
+            <a:ext cx="4324350" cy="3657600"/>
+          </a:xfrm>
+          <a:prstGeom prst="rect">
+            <a:avLst/>
+          </a:prstGeom>
+        </p:spPr>
+      </p:pic>
+    </p:spTree>
+    <p:extLst>
+      <p:ext uri="{BB962C8B-B14F-4D97-AF65-F5344CB8AC3E}">
+        <p14:creationId xmlns:p14="http://schemas.microsoft.com/office/powerpoint/2010/main" val="3832853160"/>
+      </p:ext>
+    </p:extLst>
+  </p:cSld>
+  <p:clrMapOvr>
+    <a:masterClrMapping/>
+  </p:clrMapOvr>
+  <mc:AlternateContent xmlns:mc="http://schemas.openxmlformats.org/markup-compatibility/2006" xmlns:p14="http://schemas.microsoft.com/office/powerpoint/2010/main">
+    <mc:Choice Requires="p14">
+      <p:transition spd="med" p14:dur="700">
+        <p:fade/>
+      </p:transition>
+    </mc:Choice>
+    <mc:Fallback xmlns="">
+      <p:transition spd="med">
+        <p:fade/>
+      </p:transition>
+    </mc:Fallback>
+  </mc:AlternateContent>
+</p:sld>
+</file>
+
+<file path=ppt/slides/slide11.xml><?xml version="1.0" encoding="utf-8"?>
+<p:sld xmlns:a="http://schemas.openxmlformats.org/drawingml/2006/main" xmlns:r="http://schemas.openxmlformats.org/officeDocument/2006/relationships" xmlns:p="http://schemas.openxmlformats.org/presentationml/2006/main">
+  <p:cSld>
+    <p:spTree>
+      <p:nvGrpSpPr>
+        <p:cNvPr id="1" name=""/>
+        <p:cNvGrpSpPr/>
+        <p:nvPr/>
+      </p:nvGrpSpPr>
+      <p:grpSpPr>
+        <a:xfrm>
+          <a:off x="0" y="0"/>
+          <a:ext cx="0" cy="0"/>
+          <a:chOff x="0" y="0"/>
+          <a:chExt cx="0" cy="0"/>
+        </a:xfrm>
+      </p:grpSpPr>
+      <p:sp>
+        <p:nvSpPr>
+          <p:cNvPr id="2" name="Title 1">
+            <a:extLst>
+              <a:ext uri="{FF2B5EF4-FFF2-40B4-BE49-F238E27FC236}">
                 <a16:creationId xmlns:a16="http://schemas.microsoft.com/office/drawing/2014/main" id="{44AAC96E-E6FD-CC3E-F9FF-C85B900D3079}"/>
               </a:ext>
             </a:extLst>
@@ -10368,7 +10688,7 @@
             <a:pPr rtl="0"/>
             <a:fld id="{9CD8D479-8942-46E8-A226-A4E01F7A105C}" type="slidenum">
               <a:rPr lang="en-GB" noProof="0" smtClean="0"/>
-              <a:t>10</a:t>
+              <a:t>11</a:t>
             </a:fld>
             <a:endParaRPr lang="en-GB" noProof="0" dirty="0"/>
           </a:p>
@@ -10459,7 +10779,7 @@
 </p:sld>
 </file>
 
-<file path=ppt/slides/slide11.xml><?xml version="1.0" encoding="utf-8"?>
+<file path=ppt/slides/slide12.xml><?xml version="1.0" encoding="utf-8"?>
 <p:sld xmlns:a="http://schemas.openxmlformats.org/drawingml/2006/main" xmlns:r="http://schemas.openxmlformats.org/officeDocument/2006/relationships" xmlns:p="http://schemas.openxmlformats.org/presentationml/2006/main">
   <p:cSld>
     <p:spTree>
@@ -10537,7 +10857,7 @@
             <a:pPr rtl="0"/>
             <a:fld id="{9CD8D479-8942-46E8-A226-A4E01F7A105C}" type="slidenum">
               <a:rPr lang="en-GB" noProof="0" smtClean="0"/>
-              <a:t>11</a:t>
+              <a:t>12</a:t>
             </a:fld>
             <a:endParaRPr lang="en-GB" noProof="0" dirty="0"/>
           </a:p>
@@ -10666,7 +10986,219 @@
 </p:sld>
 </file>
 
-<file path=ppt/slides/slide12.xml><?xml version="1.0" encoding="utf-8"?>
+<file path=ppt/slides/slide13.xml><?xml version="1.0" encoding="utf-8"?>
+<p:sld xmlns:a="http://schemas.openxmlformats.org/drawingml/2006/main" xmlns:r="http://schemas.openxmlformats.org/officeDocument/2006/relationships" xmlns:p="http://schemas.openxmlformats.org/presentationml/2006/main">
+  <p:cSld>
+    <p:spTree>
+      <p:nvGrpSpPr>
+        <p:cNvPr id="1" name=""/>
+        <p:cNvGrpSpPr/>
+        <p:nvPr/>
+      </p:nvGrpSpPr>
+      <p:grpSpPr>
+        <a:xfrm>
+          <a:off x="0" y="0"/>
+          <a:ext cx="0" cy="0"/>
+          <a:chOff x="0" y="0"/>
+          <a:chExt cx="0" cy="0"/>
+        </a:xfrm>
+      </p:grpSpPr>
+      <p:sp>
+        <p:nvSpPr>
+          <p:cNvPr id="2" name="Title 1">
+            <a:extLst>
+              <a:ext uri="{FF2B5EF4-FFF2-40B4-BE49-F238E27FC236}">
+                <a16:creationId xmlns:a16="http://schemas.microsoft.com/office/drawing/2014/main" id="{C313D097-741F-9755-2892-A136DA6E93BF}"/>
+              </a:ext>
+            </a:extLst>
+          </p:cNvPr>
+          <p:cNvSpPr>
+            <a:spLocks noGrp="1"/>
+          </p:cNvSpPr>
+          <p:nvPr>
+            <p:ph type="title"/>
+          </p:nvPr>
+        </p:nvSpPr>
+        <p:spPr/>
+        <p:txBody>
+          <a:bodyPr vert="horz" lIns="91440" tIns="45720" rIns="91440" bIns="45720" rtlCol="0" anchor="b">
+            <a:normAutofit/>
+          </a:bodyPr>
+          <a:lstStyle/>
+          <a:p>
+            <a:r>
+              <a:rPr lang="en-GB" b="1" dirty="0">
+                <a:solidFill>
+                  <a:schemeClr val="tx2"/>
+                </a:solidFill>
+              </a:rPr>
+              <a:t>Some comparison </a:t>
+            </a:r>
+          </a:p>
+        </p:txBody>
+      </p:sp>
+      <p:pic>
+        <p:nvPicPr>
+          <p:cNvPr id="6" name="Content Placeholder 5" descr="A picture containing text, screenshot, plot, line&#10;&#10;Description automatically generated">
+            <a:extLst>
+              <a:ext uri="{FF2B5EF4-FFF2-40B4-BE49-F238E27FC236}">
+                <a16:creationId xmlns:a16="http://schemas.microsoft.com/office/drawing/2014/main" id="{8889CD1D-90EE-8D85-1829-180C69080625}"/>
+              </a:ext>
+            </a:extLst>
+          </p:cNvPr>
+          <p:cNvPicPr>
+            <a:picLocks noGrp="1" noChangeAspect="1"/>
+          </p:cNvPicPr>
+          <p:nvPr>
+            <p:ph idx="1"/>
+          </p:nvPr>
+        </p:nvPicPr>
+        <p:blipFill>
+          <a:blip r:embed="rId2" cstate="print">
+            <a:extLst>
+              <a:ext uri="{28A0092B-C50C-407E-A947-70E740481C1C}">
+                <a14:useLocalDpi xmlns:a14="http://schemas.microsoft.com/office/drawing/2010/main" val="0"/>
+              </a:ext>
+            </a:extLst>
+          </a:blip>
+          <a:stretch>
+            <a:fillRect/>
+          </a:stretch>
+        </p:blipFill>
+        <p:spPr>
+          <a:xfrm>
+            <a:off x="205201" y="1459653"/>
+            <a:ext cx="4747836" cy="3347966"/>
+          </a:xfrm>
+        </p:spPr>
+      </p:pic>
+      <p:sp>
+        <p:nvSpPr>
+          <p:cNvPr id="4" name="Slide Number Placeholder 3">
+            <a:extLst>
+              <a:ext uri="{FF2B5EF4-FFF2-40B4-BE49-F238E27FC236}">
+                <a16:creationId xmlns:a16="http://schemas.microsoft.com/office/drawing/2014/main" id="{78446FDD-24E2-FE42-B8D1-F0CA1B7A08F4}"/>
+              </a:ext>
+            </a:extLst>
+          </p:cNvPr>
+          <p:cNvSpPr>
+            <a:spLocks noGrp="1"/>
+          </p:cNvSpPr>
+          <p:nvPr>
+            <p:ph type="sldNum" sz="quarter" idx="12"/>
+          </p:nvPr>
+        </p:nvSpPr>
+        <p:spPr/>
+        <p:txBody>
+          <a:bodyPr/>
+          <a:lstStyle/>
+          <a:p>
+            <a:pPr rtl="0"/>
+            <a:fld id="{9CD8D479-8942-46E8-A226-A4E01F7A105C}" type="slidenum">
+              <a:rPr lang="en-GB" noProof="0" smtClean="0"/>
+              <a:t>13</a:t>
+            </a:fld>
+            <a:endParaRPr lang="en-GB" noProof="0" dirty="0"/>
+          </a:p>
+        </p:txBody>
+      </p:sp>
+      <p:pic>
+        <p:nvPicPr>
+          <p:cNvPr id="8" name="Picture 7" descr="A picture containing text, screenshot, plot, line&#10;&#10;Description automatically generated">
+            <a:extLst>
+              <a:ext uri="{FF2B5EF4-FFF2-40B4-BE49-F238E27FC236}">
+                <a16:creationId xmlns:a16="http://schemas.microsoft.com/office/drawing/2014/main" id="{2EF02D1E-27E7-1BF8-A85B-01D58F87178C}"/>
+              </a:ext>
+            </a:extLst>
+          </p:cNvPr>
+          <p:cNvPicPr>
+            <a:picLocks noChangeAspect="1"/>
+          </p:cNvPicPr>
+          <p:nvPr/>
+        </p:nvPicPr>
+        <p:blipFill>
+          <a:blip r:embed="rId3" cstate="print">
+            <a:extLst>
+              <a:ext uri="{28A0092B-C50C-407E-A947-70E740481C1C}">
+                <a14:useLocalDpi xmlns:a14="http://schemas.microsoft.com/office/drawing/2010/main" val="0"/>
+              </a:ext>
+            </a:extLst>
+          </a:blip>
+          <a:stretch>
+            <a:fillRect/>
+          </a:stretch>
+        </p:blipFill>
+        <p:spPr>
+          <a:xfrm>
+            <a:off x="8401548" y="1598136"/>
+            <a:ext cx="3790452" cy="3070999"/>
+          </a:xfrm>
+          <a:prstGeom prst="rect">
+            <a:avLst/>
+          </a:prstGeom>
+        </p:spPr>
+      </p:pic>
+      <p:pic>
+        <p:nvPicPr>
+          <p:cNvPr id="10" name="Picture 9" descr="A picture containing text, screenshot, diagram, display&#10;&#10;Description automatically generated">
+            <a:extLst>
+              <a:ext uri="{FF2B5EF4-FFF2-40B4-BE49-F238E27FC236}">
+                <a16:creationId xmlns:a16="http://schemas.microsoft.com/office/drawing/2014/main" id="{DE4BF4E7-0D67-9462-7CAD-8DC7212D5D63}"/>
+              </a:ext>
+            </a:extLst>
+          </p:cNvPr>
+          <p:cNvPicPr>
+            <a:picLocks noChangeAspect="1"/>
+          </p:cNvPicPr>
+          <p:nvPr/>
+        </p:nvPicPr>
+        <p:blipFill rotWithShape="1">
+          <a:blip r:embed="rId4" cstate="print">
+            <a:extLst>
+              <a:ext uri="{28A0092B-C50C-407E-A947-70E740481C1C}">
+                <a14:useLocalDpi xmlns:a14="http://schemas.microsoft.com/office/drawing/2010/main" val="0"/>
+              </a:ext>
+            </a:extLst>
+          </a:blip>
+          <a:srcRect l="16542" r="11271"/>
+          <a:stretch/>
+        </p:blipFill>
+        <p:spPr>
+          <a:xfrm>
+            <a:off x="4191001" y="1459653"/>
+            <a:ext cx="4102100" cy="3457910"/>
+          </a:xfrm>
+          <a:prstGeom prst="rect">
+            <a:avLst/>
+          </a:prstGeom>
+        </p:spPr>
+      </p:pic>
+    </p:spTree>
+    <p:extLst>
+      <p:ext uri="{BB962C8B-B14F-4D97-AF65-F5344CB8AC3E}">
+        <p14:creationId xmlns:p14="http://schemas.microsoft.com/office/powerpoint/2010/main" val="3263228341"/>
+      </p:ext>
+    </p:extLst>
+  </p:cSld>
+  <p:clrMapOvr>
+    <a:masterClrMapping/>
+  </p:clrMapOvr>
+  <mc:AlternateContent xmlns:mc="http://schemas.openxmlformats.org/markup-compatibility/2006" xmlns:p14="http://schemas.microsoft.com/office/powerpoint/2010/main">
+    <mc:Choice Requires="p14">
+      <p:transition spd="med" p14:dur="700">
+        <p:fade/>
+      </p:transition>
+    </mc:Choice>
+    <mc:Fallback xmlns="">
+      <p:transition spd="med">
+        <p:fade/>
+      </p:transition>
+    </mc:Fallback>
+  </mc:AlternateContent>
+</p:sld>
+</file>
+
+<file path=ppt/slides/slide14.xml><?xml version="1.0" encoding="utf-8"?>
 <p:sld xmlns:a="http://schemas.openxmlformats.org/drawingml/2006/main" xmlns:r="http://schemas.openxmlformats.org/officeDocument/2006/relationships" xmlns:p="http://schemas.openxmlformats.org/presentationml/2006/main">
   <p:cSld>
     <p:spTree>
@@ -10775,7 +11307,7 @@
             <a:pPr rtl="0"/>
             <a:fld id="{9CD8D479-8942-46E8-A226-A4E01F7A105C}" type="slidenum">
               <a:rPr lang="en-GB" noProof="0" smtClean="0"/>
-              <a:t>12</a:t>
+              <a:t>14</a:t>
             </a:fld>
             <a:endParaRPr lang="en-GB" noProof="0" dirty="0"/>
           </a:p>
@@ -11016,7 +11548,7 @@
 </p:sld>
 </file>
 
-<file path=ppt/slides/slide13.xml><?xml version="1.0" encoding="utf-8"?>
+<file path=ppt/slides/slide15.xml><?xml version="1.0" encoding="utf-8"?>
 <p:sld xmlns:a="http://schemas.openxmlformats.org/drawingml/2006/main" xmlns:r="http://schemas.openxmlformats.org/officeDocument/2006/relationships" xmlns:p="http://schemas.openxmlformats.org/presentationml/2006/main">
   <p:cSld>
     <p:spTree>
@@ -11125,7 +11657,7 @@
             <a:pPr rtl="0"/>
             <a:fld id="{9CD8D479-8942-46E8-A226-A4E01F7A105C}" type="slidenum">
               <a:rPr lang="en-GB" noProof="0" smtClean="0"/>
-              <a:t>13</a:t>
+              <a:t>15</a:t>
             </a:fld>
             <a:endParaRPr lang="en-GB" noProof="0" dirty="0"/>
           </a:p>
@@ -11133,10 +11665,10 @@
       </p:sp>
       <p:pic>
         <p:nvPicPr>
-          <p:cNvPr id="17" name="Picture 16">
+          <p:cNvPr id="19" name="Picture 18">
             <a:extLst>
               <a:ext uri="{FF2B5EF4-FFF2-40B4-BE49-F238E27FC236}">
-                <a16:creationId xmlns:a16="http://schemas.microsoft.com/office/drawing/2014/main" id="{DC3AB81B-EB13-E354-8D8B-E1156E2774B0}"/>
+                <a16:creationId xmlns:a16="http://schemas.microsoft.com/office/drawing/2014/main" id="{9B1E8B7D-F4D4-8EEA-D688-56FD9DC12F1B}"/>
               </a:ext>
             </a:extLst>
           </p:cNvPr>
@@ -11153,8 +11685,8 @@
         </p:blipFill>
         <p:spPr>
           <a:xfrm>
-            <a:off x="6583045" y="2935151"/>
-            <a:ext cx="5162550" cy="3352800"/>
+            <a:off x="622270" y="3372673"/>
+            <a:ext cx="5960775" cy="1909763"/>
           </a:xfrm>
           <a:prstGeom prst="rect">
             <a:avLst/>
@@ -11163,447 +11695,55 @@
       </p:pic>
       <p:pic>
         <p:nvPicPr>
-          <p:cNvPr id="19" name="Picture 18">
+          <p:cNvPr id="5122" name="Picture 2">
             <a:extLst>
               <a:ext uri="{FF2B5EF4-FFF2-40B4-BE49-F238E27FC236}">
-                <a16:creationId xmlns:a16="http://schemas.microsoft.com/office/drawing/2014/main" id="{9B1E8B7D-F4D4-8EEA-D688-56FD9DC12F1B}"/>
+                <a16:creationId xmlns:a16="http://schemas.microsoft.com/office/drawing/2014/main" id="{68057A54-F76A-28CB-1682-642053B85A26}"/>
               </a:ext>
             </a:extLst>
           </p:cNvPr>
           <p:cNvPicPr>
-            <a:picLocks noChangeAspect="1"/>
+            <a:picLocks noChangeAspect="1" noChangeArrowheads="1"/>
           </p:cNvPicPr>
           <p:nvPr/>
         </p:nvPicPr>
         <p:blipFill>
-          <a:blip r:embed="rId3"/>
+          <a:blip r:embed="rId3">
+            <a:extLst>
+              <a:ext uri="{28A0092B-C50C-407E-A947-70E740481C1C}">
+                <a14:useLocalDpi xmlns:a14="http://schemas.microsoft.com/office/drawing/2010/main" val="0"/>
+              </a:ext>
+            </a:extLst>
+          </a:blip>
+          <a:srcRect/>
           <a:stretch>
             <a:fillRect/>
           </a:stretch>
         </p:blipFill>
-        <p:spPr>
+        <p:spPr bwMode="auto">
           <a:xfrm>
-            <a:off x="622270" y="3372673"/>
-            <a:ext cx="5960775" cy="1909763"/>
+            <a:off x="6583045" y="2698688"/>
+            <a:ext cx="5177155" cy="3533335"/>
           </a:xfrm>
           <a:prstGeom prst="rect">
             <a:avLst/>
           </a:prstGeom>
+          <a:noFill/>
+          <a:extLst>
+            <a:ext uri="{909E8E84-426E-40DD-AFC4-6F175D3DCCD1}">
+              <a14:hiddenFill xmlns:a14="http://schemas.microsoft.com/office/drawing/2010/main">
+                <a:solidFill>
+                  <a:srgbClr val="FFFFFF"/>
+                </a:solidFill>
+              </a14:hiddenFill>
+            </a:ext>
+          </a:extLst>
         </p:spPr>
       </p:pic>
     </p:spTree>
     <p:extLst>
       <p:ext uri="{BB962C8B-B14F-4D97-AF65-F5344CB8AC3E}">
         <p14:creationId xmlns:p14="http://schemas.microsoft.com/office/powerpoint/2010/main" val="151983967"/>
-      </p:ext>
-    </p:extLst>
-  </p:cSld>
-  <p:clrMapOvr>
-    <a:masterClrMapping/>
-  </p:clrMapOvr>
-  <mc:AlternateContent xmlns:mc="http://schemas.openxmlformats.org/markup-compatibility/2006" xmlns:p14="http://schemas.microsoft.com/office/powerpoint/2010/main">
-    <mc:Choice Requires="p14">
-      <p:transition spd="med" p14:dur="700">
-        <p:fade/>
-      </p:transition>
-    </mc:Choice>
-    <mc:Fallback xmlns="">
-      <p:transition spd="med">
-        <p:fade/>
-      </p:transition>
-    </mc:Fallback>
-  </mc:AlternateContent>
-</p:sld>
-</file>
-
-<file path=ppt/slides/slide14.xml><?xml version="1.0" encoding="utf-8"?>
-<p:sld xmlns:a="http://schemas.openxmlformats.org/drawingml/2006/main" xmlns:r="http://schemas.openxmlformats.org/officeDocument/2006/relationships" xmlns:p="http://schemas.openxmlformats.org/presentationml/2006/main">
-  <p:cSld>
-    <p:spTree>
-      <p:nvGrpSpPr>
-        <p:cNvPr id="1" name=""/>
-        <p:cNvGrpSpPr/>
-        <p:nvPr/>
-      </p:nvGrpSpPr>
-      <p:grpSpPr>
-        <a:xfrm>
-          <a:off x="0" y="0"/>
-          <a:ext cx="0" cy="0"/>
-          <a:chOff x="0" y="0"/>
-          <a:chExt cx="0" cy="0"/>
-        </a:xfrm>
-      </p:grpSpPr>
-      <p:sp>
-        <p:nvSpPr>
-          <p:cNvPr id="2" name="Title 1">
-            <a:extLst>
-              <a:ext uri="{FF2B5EF4-FFF2-40B4-BE49-F238E27FC236}">
-                <a16:creationId xmlns:a16="http://schemas.microsoft.com/office/drawing/2014/main" id="{149C67D2-435B-E6AA-123D-E4791447D2F7}"/>
-              </a:ext>
-            </a:extLst>
-          </p:cNvPr>
-          <p:cNvSpPr>
-            <a:spLocks noGrp="1"/>
-          </p:cNvSpPr>
-          <p:nvPr>
-            <p:ph type="title"/>
-          </p:nvPr>
-        </p:nvSpPr>
-        <p:spPr/>
-        <p:txBody>
-          <a:bodyPr/>
-          <a:lstStyle/>
-          <a:p>
-            <a:r>
-              <a:rPr lang="en-GB" b="1" dirty="0">
-                <a:solidFill>
-                  <a:schemeClr val="tx2"/>
-                </a:solidFill>
-              </a:rPr>
-              <a:t>Significant CO2 Drops of the 2000s</a:t>
-            </a:r>
-            <a:endParaRPr lang="en-GB" dirty="0"/>
-          </a:p>
-        </p:txBody>
-      </p:sp>
-      <p:sp>
-        <p:nvSpPr>
-          <p:cNvPr id="4" name="Slide Number Placeholder 3">
-            <a:extLst>
-              <a:ext uri="{FF2B5EF4-FFF2-40B4-BE49-F238E27FC236}">
-                <a16:creationId xmlns:a16="http://schemas.microsoft.com/office/drawing/2014/main" id="{48101A23-9A83-0D13-6D77-8C570E6B9BCA}"/>
-              </a:ext>
-            </a:extLst>
-          </p:cNvPr>
-          <p:cNvSpPr>
-            <a:spLocks noGrp="1"/>
-          </p:cNvSpPr>
-          <p:nvPr>
-            <p:ph type="sldNum" sz="quarter" idx="12"/>
-          </p:nvPr>
-        </p:nvSpPr>
-        <p:spPr/>
-        <p:txBody>
-          <a:bodyPr/>
-          <a:lstStyle/>
-          <a:p>
-            <a:pPr rtl="0"/>
-            <a:fld id="{9CD8D479-8942-46E8-A226-A4E01F7A105C}" type="slidenum">
-              <a:rPr lang="en-GB" noProof="0" smtClean="0"/>
-              <a:t>14</a:t>
-            </a:fld>
-            <a:endParaRPr lang="en-GB" noProof="0" dirty="0"/>
-          </a:p>
-        </p:txBody>
-      </p:sp>
-      <p:sp>
-        <p:nvSpPr>
-          <p:cNvPr id="7" name="Content Placeholder 6">
-            <a:extLst>
-              <a:ext uri="{FF2B5EF4-FFF2-40B4-BE49-F238E27FC236}">
-                <a16:creationId xmlns:a16="http://schemas.microsoft.com/office/drawing/2014/main" id="{E31A273E-5D07-3475-0C5A-8990059BA48A}"/>
-              </a:ext>
-            </a:extLst>
-          </p:cNvPr>
-          <p:cNvSpPr>
-            <a:spLocks noGrp="1"/>
-          </p:cNvSpPr>
-          <p:nvPr>
-            <p:ph idx="1"/>
-          </p:nvPr>
-        </p:nvSpPr>
-        <p:spPr/>
-        <p:txBody>
-          <a:bodyPr/>
-          <a:lstStyle/>
-          <a:p>
-            <a:r>
-              <a:rPr lang="en-GB" dirty="0"/>
-              <a:t>Same with the decade of the 2000s a data frame was created to analyse the contribution of each country to the CO2 production  of this period and data was sorted to find out the 5 top contributing countries and their trends.</a:t>
-            </a:r>
-          </a:p>
-          <a:p>
-            <a:endParaRPr lang="en-GB" dirty="0"/>
-          </a:p>
-        </p:txBody>
-      </p:sp>
-      <p:pic>
-        <p:nvPicPr>
-          <p:cNvPr id="12" name="Picture 11">
-            <a:extLst>
-              <a:ext uri="{FF2B5EF4-FFF2-40B4-BE49-F238E27FC236}">
-                <a16:creationId xmlns:a16="http://schemas.microsoft.com/office/drawing/2014/main" id="{9F620578-9B42-9D71-2C97-56A8B9468FBA}"/>
-              </a:ext>
-            </a:extLst>
-          </p:cNvPr>
-          <p:cNvPicPr>
-            <a:picLocks noChangeAspect="1"/>
-          </p:cNvPicPr>
-          <p:nvPr/>
-        </p:nvPicPr>
-        <p:blipFill>
-          <a:blip r:embed="rId2"/>
-          <a:stretch>
-            <a:fillRect/>
-          </a:stretch>
-        </p:blipFill>
-        <p:spPr>
-          <a:xfrm>
-            <a:off x="6638925" y="2673196"/>
-            <a:ext cx="5191125" cy="3869749"/>
-          </a:xfrm>
-          <a:prstGeom prst="rect">
-            <a:avLst/>
-          </a:prstGeom>
-        </p:spPr>
-      </p:pic>
-      <p:pic>
-        <p:nvPicPr>
-          <p:cNvPr id="18" name="Picture 17">
-            <a:extLst>
-              <a:ext uri="{FF2B5EF4-FFF2-40B4-BE49-F238E27FC236}">
-                <a16:creationId xmlns:a16="http://schemas.microsoft.com/office/drawing/2014/main" id="{E26DCB52-56DC-EDFB-6EAF-0D2E80A48767}"/>
-              </a:ext>
-            </a:extLst>
-          </p:cNvPr>
-          <p:cNvPicPr>
-            <a:picLocks noChangeAspect="1"/>
-          </p:cNvPicPr>
-          <p:nvPr/>
-        </p:nvPicPr>
-        <p:blipFill>
-          <a:blip r:embed="rId3"/>
-          <a:stretch>
-            <a:fillRect/>
-          </a:stretch>
-        </p:blipFill>
-        <p:spPr>
-          <a:xfrm>
-            <a:off x="572833" y="3071811"/>
-            <a:ext cx="5762625" cy="2200275"/>
-          </a:xfrm>
-          <a:prstGeom prst="rect">
-            <a:avLst/>
-          </a:prstGeom>
-        </p:spPr>
-      </p:pic>
-    </p:spTree>
-    <p:extLst>
-      <p:ext uri="{BB962C8B-B14F-4D97-AF65-F5344CB8AC3E}">
-        <p14:creationId xmlns:p14="http://schemas.microsoft.com/office/powerpoint/2010/main" val="385309115"/>
-      </p:ext>
-    </p:extLst>
-  </p:cSld>
-  <p:clrMapOvr>
-    <a:masterClrMapping/>
-  </p:clrMapOvr>
-  <mc:AlternateContent xmlns:mc="http://schemas.openxmlformats.org/markup-compatibility/2006" xmlns:p14="http://schemas.microsoft.com/office/powerpoint/2010/main">
-    <mc:Choice Requires="p14">
-      <p:transition spd="med" p14:dur="700">
-        <p:fade/>
-      </p:transition>
-    </mc:Choice>
-    <mc:Fallback xmlns="">
-      <p:transition spd="med">
-        <p:fade/>
-      </p:transition>
-    </mc:Fallback>
-  </mc:AlternateContent>
-</p:sld>
-</file>
-
-<file path=ppt/slides/slide15.xml><?xml version="1.0" encoding="utf-8"?>
-<p:sld xmlns:a="http://schemas.openxmlformats.org/drawingml/2006/main" xmlns:r="http://schemas.openxmlformats.org/officeDocument/2006/relationships" xmlns:p="http://schemas.openxmlformats.org/presentationml/2006/main">
-  <p:cSld>
-    <p:spTree>
-      <p:nvGrpSpPr>
-        <p:cNvPr id="1" name=""/>
-        <p:cNvGrpSpPr/>
-        <p:nvPr/>
-      </p:nvGrpSpPr>
-      <p:grpSpPr>
-        <a:xfrm>
-          <a:off x="0" y="0"/>
-          <a:ext cx="0" cy="0"/>
-          <a:chOff x="0" y="0"/>
-          <a:chExt cx="0" cy="0"/>
-        </a:xfrm>
-      </p:grpSpPr>
-      <p:sp>
-        <p:nvSpPr>
-          <p:cNvPr id="2" name="Title 1">
-            <a:extLst>
-              <a:ext uri="{FF2B5EF4-FFF2-40B4-BE49-F238E27FC236}">
-                <a16:creationId xmlns:a16="http://schemas.microsoft.com/office/drawing/2014/main" id="{3FCA2053-C768-D609-808F-7F998F7C779C}"/>
-              </a:ext>
-            </a:extLst>
-          </p:cNvPr>
-          <p:cNvSpPr>
-            <a:spLocks noGrp="1"/>
-          </p:cNvSpPr>
-          <p:nvPr>
-            <p:ph type="title"/>
-          </p:nvPr>
-        </p:nvSpPr>
-        <p:spPr/>
-        <p:txBody>
-          <a:bodyPr vert="horz" lIns="91440" tIns="45720" rIns="91440" bIns="45720" rtlCol="0" anchor="b">
-            <a:normAutofit/>
-          </a:bodyPr>
-          <a:lstStyle/>
-          <a:p>
-            <a:r>
-              <a:rPr lang="en-GB" b="1" dirty="0">
-                <a:solidFill>
-                  <a:schemeClr val="tx2"/>
-                </a:solidFill>
-              </a:rPr>
-              <a:t>Conclusions </a:t>
-            </a:r>
-          </a:p>
-        </p:txBody>
-      </p:sp>
-      <p:sp>
-        <p:nvSpPr>
-          <p:cNvPr id="3" name="Content Placeholder 2">
-            <a:extLst>
-              <a:ext uri="{FF2B5EF4-FFF2-40B4-BE49-F238E27FC236}">
-                <a16:creationId xmlns:a16="http://schemas.microsoft.com/office/drawing/2014/main" id="{F376A46F-1886-3D7E-797E-80BEC456B93E}"/>
-              </a:ext>
-            </a:extLst>
-          </p:cNvPr>
-          <p:cNvSpPr>
-            <a:spLocks noGrp="1"/>
-          </p:cNvSpPr>
-          <p:nvPr>
-            <p:ph idx="1"/>
-          </p:nvPr>
-        </p:nvSpPr>
-        <p:spPr/>
-        <p:txBody>
-          <a:bodyPr/>
-          <a:lstStyle/>
-          <a:p>
-            <a:endParaRPr lang="en-GB" b="0" i="0" dirty="0">
-              <a:solidFill>
-                <a:srgbClr val="1A1919"/>
-              </a:solidFill>
-              <a:effectLst/>
-              <a:latin typeface="adobe-caslon-pro"/>
-            </a:endParaRPr>
-          </a:p>
-          <a:p>
-            <a:r>
-              <a:rPr lang="en-GB" b="0" i="0" dirty="0">
-                <a:solidFill>
-                  <a:srgbClr val="1A1919"/>
-                </a:solidFill>
-                <a:effectLst/>
-                <a:latin typeface="adobe-caslon-pro"/>
-              </a:rPr>
-              <a:t>From the data it can be observed that we are at the highest level since 1750.</a:t>
-            </a:r>
-          </a:p>
-          <a:p>
-            <a:r>
-              <a:rPr lang="en-GB" b="0" i="0" dirty="0">
-                <a:solidFill>
-                  <a:srgbClr val="1A1919"/>
-                </a:solidFill>
-                <a:effectLst/>
-                <a:latin typeface="adobe-caslon-pro"/>
-              </a:rPr>
-              <a:t> Europe is the largest region for co2 emission in 2020.</a:t>
-            </a:r>
-          </a:p>
-          <a:p>
-            <a:r>
-              <a:rPr lang="en-GB" dirty="0">
-                <a:solidFill>
-                  <a:srgbClr val="1A1919"/>
-                </a:solidFill>
-                <a:latin typeface="adobe-caslon-pro"/>
-              </a:rPr>
-              <a:t>Majority of CO2 emissions come from industries, interestedly coal has surpassed oil in resent day as a principal source of CO2</a:t>
-            </a:r>
-            <a:endParaRPr lang="en-GB" b="0" i="0" dirty="0">
-              <a:solidFill>
-                <a:srgbClr val="1A1919"/>
-              </a:solidFill>
-              <a:effectLst/>
-              <a:latin typeface="adobe-caslon-pro"/>
-            </a:endParaRPr>
-          </a:p>
-          <a:p>
-            <a:r>
-              <a:rPr lang="en-GB" dirty="0">
-                <a:solidFill>
-                  <a:srgbClr val="1A1919"/>
-                </a:solidFill>
-                <a:latin typeface="adobe-caslon-pro"/>
-              </a:rPr>
-              <a:t>This analysis proved </a:t>
-            </a:r>
-            <a:r>
-              <a:rPr lang="en-GB" b="0" i="0" dirty="0">
-                <a:solidFill>
-                  <a:srgbClr val="1A1919"/>
-                </a:solidFill>
-                <a:effectLst/>
-                <a:latin typeface="adobe-caslon-pro"/>
-              </a:rPr>
-              <a:t>GDP is closely linked to CO2 but not Population </a:t>
-            </a:r>
-          </a:p>
-          <a:p>
-            <a:r>
-              <a:rPr lang="en-GB" b="0" i="0" dirty="0">
-                <a:solidFill>
-                  <a:srgbClr val="1A1919"/>
-                </a:solidFill>
-                <a:effectLst/>
-                <a:latin typeface="adobe-caslon-pro"/>
-              </a:rPr>
-              <a:t>While all countries will need to work together to overcome the climate change challenge, we can see that the great majority of emissions are concentrated to a relatively small group of countries based on their prevalent industries, mainly Oil and Coal.</a:t>
-            </a:r>
-            <a:endParaRPr lang="en-GB" dirty="0"/>
-          </a:p>
-        </p:txBody>
-      </p:sp>
-      <p:sp>
-        <p:nvSpPr>
-          <p:cNvPr id="4" name="Slide Number Placeholder 3">
-            <a:extLst>
-              <a:ext uri="{FF2B5EF4-FFF2-40B4-BE49-F238E27FC236}">
-                <a16:creationId xmlns:a16="http://schemas.microsoft.com/office/drawing/2014/main" id="{421DFB25-9EFF-402D-6CF7-86774366D75B}"/>
-              </a:ext>
-            </a:extLst>
-          </p:cNvPr>
-          <p:cNvSpPr>
-            <a:spLocks noGrp="1"/>
-          </p:cNvSpPr>
-          <p:nvPr>
-            <p:ph type="sldNum" sz="quarter" idx="12"/>
-          </p:nvPr>
-        </p:nvSpPr>
-        <p:spPr/>
-        <p:txBody>
-          <a:bodyPr/>
-          <a:lstStyle/>
-          <a:p>
-            <a:pPr rtl="0"/>
-            <a:fld id="{9CD8D479-8942-46E8-A226-A4E01F7A105C}" type="slidenum">
-              <a:rPr lang="en-GB" noProof="0" smtClean="0"/>
-              <a:t>15</a:t>
-            </a:fld>
-            <a:endParaRPr lang="en-GB" noProof="0" dirty="0"/>
-          </a:p>
-        </p:txBody>
-      </p:sp>
-    </p:spTree>
-    <p:extLst>
-      <p:ext uri="{BB962C8B-B14F-4D97-AF65-F5344CB8AC3E}">
-        <p14:creationId xmlns:p14="http://schemas.microsoft.com/office/powerpoint/2010/main" val="219689195"/>
       </p:ext>
     </p:extLst>
   </p:cSld>
@@ -11647,6 +11787,432 @@
           <p:cNvPr id="2" name="Title 1">
             <a:extLst>
               <a:ext uri="{FF2B5EF4-FFF2-40B4-BE49-F238E27FC236}">
+                <a16:creationId xmlns:a16="http://schemas.microsoft.com/office/drawing/2014/main" id="{149C67D2-435B-E6AA-123D-E4791447D2F7}"/>
+              </a:ext>
+            </a:extLst>
+          </p:cNvPr>
+          <p:cNvSpPr>
+            <a:spLocks noGrp="1"/>
+          </p:cNvSpPr>
+          <p:nvPr>
+            <p:ph type="title"/>
+          </p:nvPr>
+        </p:nvSpPr>
+        <p:spPr/>
+        <p:txBody>
+          <a:bodyPr/>
+          <a:lstStyle/>
+          <a:p>
+            <a:r>
+              <a:rPr lang="en-GB" b="1" dirty="0">
+                <a:solidFill>
+                  <a:schemeClr val="tx2"/>
+                </a:solidFill>
+              </a:rPr>
+              <a:t>Significant CO2 Drops of the 2000s</a:t>
+            </a:r>
+            <a:endParaRPr lang="en-GB" dirty="0"/>
+          </a:p>
+        </p:txBody>
+      </p:sp>
+      <p:sp>
+        <p:nvSpPr>
+          <p:cNvPr id="4" name="Slide Number Placeholder 3">
+            <a:extLst>
+              <a:ext uri="{FF2B5EF4-FFF2-40B4-BE49-F238E27FC236}">
+                <a16:creationId xmlns:a16="http://schemas.microsoft.com/office/drawing/2014/main" id="{48101A23-9A83-0D13-6D77-8C570E6B9BCA}"/>
+              </a:ext>
+            </a:extLst>
+          </p:cNvPr>
+          <p:cNvSpPr>
+            <a:spLocks noGrp="1"/>
+          </p:cNvSpPr>
+          <p:nvPr>
+            <p:ph type="sldNum" sz="quarter" idx="12"/>
+          </p:nvPr>
+        </p:nvSpPr>
+        <p:spPr/>
+        <p:txBody>
+          <a:bodyPr/>
+          <a:lstStyle/>
+          <a:p>
+            <a:pPr rtl="0"/>
+            <a:fld id="{9CD8D479-8942-46E8-A226-A4E01F7A105C}" type="slidenum">
+              <a:rPr lang="en-GB" noProof="0" smtClean="0"/>
+              <a:t>16</a:t>
+            </a:fld>
+            <a:endParaRPr lang="en-GB" noProof="0" dirty="0"/>
+          </a:p>
+        </p:txBody>
+      </p:sp>
+      <p:sp>
+        <p:nvSpPr>
+          <p:cNvPr id="7" name="Content Placeholder 6">
+            <a:extLst>
+              <a:ext uri="{FF2B5EF4-FFF2-40B4-BE49-F238E27FC236}">
+                <a16:creationId xmlns:a16="http://schemas.microsoft.com/office/drawing/2014/main" id="{E31A273E-5D07-3475-0C5A-8990059BA48A}"/>
+              </a:ext>
+            </a:extLst>
+          </p:cNvPr>
+          <p:cNvSpPr>
+            <a:spLocks noGrp="1"/>
+          </p:cNvSpPr>
+          <p:nvPr>
+            <p:ph idx="1"/>
+          </p:nvPr>
+        </p:nvSpPr>
+        <p:spPr/>
+        <p:txBody>
+          <a:bodyPr/>
+          <a:lstStyle/>
+          <a:p>
+            <a:r>
+              <a:rPr lang="en-GB" dirty="0"/>
+              <a:t>Same with the decade of the 2000s a data frame was created to analyse the contribution of each country to the CO2 production  of this period and data was sorted to find out the 5 top contributing countries and their trends.</a:t>
+            </a:r>
+          </a:p>
+          <a:p>
+            <a:endParaRPr lang="en-GB" dirty="0"/>
+          </a:p>
+        </p:txBody>
+      </p:sp>
+      <p:pic>
+        <p:nvPicPr>
+          <p:cNvPr id="18" name="Picture 17">
+            <a:extLst>
+              <a:ext uri="{FF2B5EF4-FFF2-40B4-BE49-F238E27FC236}">
+                <a16:creationId xmlns:a16="http://schemas.microsoft.com/office/drawing/2014/main" id="{E26DCB52-56DC-EDFB-6EAF-0D2E80A48767}"/>
+              </a:ext>
+            </a:extLst>
+          </p:cNvPr>
+          <p:cNvPicPr>
+            <a:picLocks noChangeAspect="1"/>
+          </p:cNvPicPr>
+          <p:nvPr/>
+        </p:nvPicPr>
+        <p:blipFill>
+          <a:blip r:embed="rId2"/>
+          <a:stretch>
+            <a:fillRect/>
+          </a:stretch>
+        </p:blipFill>
+        <p:spPr>
+          <a:xfrm>
+            <a:off x="572833" y="3071811"/>
+            <a:ext cx="5762625" cy="2200275"/>
+          </a:xfrm>
+          <a:prstGeom prst="rect">
+            <a:avLst/>
+          </a:prstGeom>
+        </p:spPr>
+      </p:pic>
+      <p:pic>
+        <p:nvPicPr>
+          <p:cNvPr id="6146" name="Picture 2">
+            <a:extLst>
+              <a:ext uri="{FF2B5EF4-FFF2-40B4-BE49-F238E27FC236}">
+                <a16:creationId xmlns:a16="http://schemas.microsoft.com/office/drawing/2014/main" id="{CF36258D-5B32-9573-EDCD-A1B0E20F2A73}"/>
+              </a:ext>
+            </a:extLst>
+          </p:cNvPr>
+          <p:cNvPicPr>
+            <a:picLocks noChangeAspect="1" noChangeArrowheads="1"/>
+          </p:cNvPicPr>
+          <p:nvPr/>
+        </p:nvPicPr>
+        <p:blipFill>
+          <a:blip r:embed="rId3">
+            <a:extLst>
+              <a:ext uri="{28A0092B-C50C-407E-A947-70E740481C1C}">
+                <a14:useLocalDpi xmlns:a14="http://schemas.microsoft.com/office/drawing/2010/main" val="0"/>
+              </a:ext>
+            </a:extLst>
+          </a:blip>
+          <a:srcRect/>
+          <a:stretch>
+            <a:fillRect/>
+          </a:stretch>
+        </p:blipFill>
+        <p:spPr bwMode="auto">
+          <a:xfrm>
+            <a:off x="6529389" y="2648131"/>
+            <a:ext cx="5340623" cy="3644900"/>
+          </a:xfrm>
+          <a:prstGeom prst="rect">
+            <a:avLst/>
+          </a:prstGeom>
+          <a:noFill/>
+          <a:extLst>
+            <a:ext uri="{909E8E84-426E-40DD-AFC4-6F175D3DCCD1}">
+              <a14:hiddenFill xmlns:a14="http://schemas.microsoft.com/office/drawing/2010/main">
+                <a:solidFill>
+                  <a:srgbClr val="FFFFFF"/>
+                </a:solidFill>
+              </a14:hiddenFill>
+            </a:ext>
+          </a:extLst>
+        </p:spPr>
+      </p:pic>
+    </p:spTree>
+    <p:extLst>
+      <p:ext uri="{BB962C8B-B14F-4D97-AF65-F5344CB8AC3E}">
+        <p14:creationId xmlns:p14="http://schemas.microsoft.com/office/powerpoint/2010/main" val="385309115"/>
+      </p:ext>
+    </p:extLst>
+  </p:cSld>
+  <p:clrMapOvr>
+    <a:masterClrMapping/>
+  </p:clrMapOvr>
+  <mc:AlternateContent xmlns:mc="http://schemas.openxmlformats.org/markup-compatibility/2006" xmlns:p14="http://schemas.microsoft.com/office/powerpoint/2010/main">
+    <mc:Choice Requires="p14">
+      <p:transition spd="med" p14:dur="700">
+        <p:fade/>
+      </p:transition>
+    </mc:Choice>
+    <mc:Fallback xmlns="">
+      <p:transition spd="med">
+        <p:fade/>
+      </p:transition>
+    </mc:Fallback>
+  </mc:AlternateContent>
+</p:sld>
+</file>
+
+<file path=ppt/slides/slide17.xml><?xml version="1.0" encoding="utf-8"?>
+<p:sld xmlns:a="http://schemas.openxmlformats.org/drawingml/2006/main" xmlns:r="http://schemas.openxmlformats.org/officeDocument/2006/relationships" xmlns:p="http://schemas.openxmlformats.org/presentationml/2006/main">
+  <p:cSld>
+    <p:spTree>
+      <p:nvGrpSpPr>
+        <p:cNvPr id="1" name=""/>
+        <p:cNvGrpSpPr/>
+        <p:nvPr/>
+      </p:nvGrpSpPr>
+      <p:grpSpPr>
+        <a:xfrm>
+          <a:off x="0" y="0"/>
+          <a:ext cx="0" cy="0"/>
+          <a:chOff x="0" y="0"/>
+          <a:chExt cx="0" cy="0"/>
+        </a:xfrm>
+      </p:grpSpPr>
+      <p:sp>
+        <p:nvSpPr>
+          <p:cNvPr id="2" name="Title 1">
+            <a:extLst>
+              <a:ext uri="{FF2B5EF4-FFF2-40B4-BE49-F238E27FC236}">
+                <a16:creationId xmlns:a16="http://schemas.microsoft.com/office/drawing/2014/main" id="{3FCA2053-C768-D609-808F-7F998F7C779C}"/>
+              </a:ext>
+            </a:extLst>
+          </p:cNvPr>
+          <p:cNvSpPr>
+            <a:spLocks noGrp="1"/>
+          </p:cNvSpPr>
+          <p:nvPr>
+            <p:ph type="title"/>
+          </p:nvPr>
+        </p:nvSpPr>
+        <p:spPr/>
+        <p:txBody>
+          <a:bodyPr vert="horz" lIns="91440" tIns="45720" rIns="91440" bIns="45720" rtlCol="0" anchor="b">
+            <a:normAutofit/>
+          </a:bodyPr>
+          <a:lstStyle/>
+          <a:p>
+            <a:r>
+              <a:rPr lang="en-GB" b="1" dirty="0">
+                <a:solidFill>
+                  <a:schemeClr val="tx2"/>
+                </a:solidFill>
+              </a:rPr>
+              <a:t>Conclusions </a:t>
+            </a:r>
+          </a:p>
+        </p:txBody>
+      </p:sp>
+      <p:sp>
+        <p:nvSpPr>
+          <p:cNvPr id="3" name="Content Placeholder 2">
+            <a:extLst>
+              <a:ext uri="{FF2B5EF4-FFF2-40B4-BE49-F238E27FC236}">
+                <a16:creationId xmlns:a16="http://schemas.microsoft.com/office/drawing/2014/main" id="{F376A46F-1886-3D7E-797E-80BEC456B93E}"/>
+              </a:ext>
+            </a:extLst>
+          </p:cNvPr>
+          <p:cNvSpPr>
+            <a:spLocks noGrp="1"/>
+          </p:cNvSpPr>
+          <p:nvPr>
+            <p:ph idx="1"/>
+          </p:nvPr>
+        </p:nvSpPr>
+        <p:spPr/>
+        <p:txBody>
+          <a:bodyPr/>
+          <a:lstStyle/>
+          <a:p>
+            <a:endParaRPr lang="en-GB" b="0" i="0" dirty="0">
+              <a:solidFill>
+                <a:srgbClr val="1A1919"/>
+              </a:solidFill>
+              <a:effectLst/>
+              <a:latin typeface="adobe-caslon-pro"/>
+            </a:endParaRPr>
+          </a:p>
+          <a:p>
+            <a:r>
+              <a:rPr lang="en-GB" b="0" i="0" dirty="0">
+                <a:solidFill>
+                  <a:srgbClr val="1A1919"/>
+                </a:solidFill>
+                <a:effectLst/>
+                <a:latin typeface="adobe-caslon-pro"/>
+              </a:rPr>
+              <a:t>From the data it can be observed that we are at the highest level since 1750.</a:t>
+            </a:r>
+          </a:p>
+          <a:p>
+            <a:r>
+              <a:rPr lang="en-GB" b="0" i="0" dirty="0">
+                <a:solidFill>
+                  <a:srgbClr val="1A1919"/>
+                </a:solidFill>
+                <a:effectLst/>
+                <a:latin typeface="adobe-caslon-pro"/>
+              </a:rPr>
+              <a:t> Europe is the largest region for co2 emission in 2020.</a:t>
+            </a:r>
+          </a:p>
+          <a:p>
+            <a:r>
+              <a:rPr lang="en-GB" dirty="0">
+                <a:solidFill>
+                  <a:srgbClr val="1A1919"/>
+                </a:solidFill>
+                <a:latin typeface="adobe-caslon-pro"/>
+              </a:rPr>
+              <a:t>Majority of CO2 emissions come from industries, interestedly coal has surpassed oil in resent day as a principal source of CO2</a:t>
+            </a:r>
+            <a:endParaRPr lang="en-GB" b="0" i="0" dirty="0">
+              <a:solidFill>
+                <a:srgbClr val="1A1919"/>
+              </a:solidFill>
+              <a:effectLst/>
+              <a:latin typeface="adobe-caslon-pro"/>
+            </a:endParaRPr>
+          </a:p>
+          <a:p>
+            <a:r>
+              <a:rPr lang="en-GB" dirty="0">
+                <a:solidFill>
+                  <a:srgbClr val="1A1919"/>
+                </a:solidFill>
+                <a:latin typeface="adobe-caslon-pro"/>
+              </a:rPr>
+              <a:t>This analysis proved </a:t>
+            </a:r>
+            <a:r>
+              <a:rPr lang="en-GB" b="0" i="0" dirty="0">
+                <a:solidFill>
+                  <a:srgbClr val="1A1919"/>
+                </a:solidFill>
+                <a:effectLst/>
+                <a:latin typeface="adobe-caslon-pro"/>
+              </a:rPr>
+              <a:t>GDP is closely linked to CO2 but not Population </a:t>
+            </a:r>
+          </a:p>
+          <a:p>
+            <a:r>
+              <a:rPr lang="en-GB" b="0" i="0" dirty="0">
+                <a:solidFill>
+                  <a:srgbClr val="1A1919"/>
+                </a:solidFill>
+                <a:effectLst/>
+                <a:latin typeface="adobe-caslon-pro"/>
+              </a:rPr>
+              <a:t>While all countries will need to work together to overcome the climate change challenge, we can see that the great majority of emissions are concentrated to a relatively small group of countries based on their prevalent industries, mainly Oil and Coal.</a:t>
+            </a:r>
+            <a:endParaRPr lang="en-GB" dirty="0"/>
+          </a:p>
+        </p:txBody>
+      </p:sp>
+      <p:sp>
+        <p:nvSpPr>
+          <p:cNvPr id="4" name="Slide Number Placeholder 3">
+            <a:extLst>
+              <a:ext uri="{FF2B5EF4-FFF2-40B4-BE49-F238E27FC236}">
+                <a16:creationId xmlns:a16="http://schemas.microsoft.com/office/drawing/2014/main" id="{421DFB25-9EFF-402D-6CF7-86774366D75B}"/>
+              </a:ext>
+            </a:extLst>
+          </p:cNvPr>
+          <p:cNvSpPr>
+            <a:spLocks noGrp="1"/>
+          </p:cNvSpPr>
+          <p:nvPr>
+            <p:ph type="sldNum" sz="quarter" idx="12"/>
+          </p:nvPr>
+        </p:nvSpPr>
+        <p:spPr/>
+        <p:txBody>
+          <a:bodyPr/>
+          <a:lstStyle/>
+          <a:p>
+            <a:pPr rtl="0"/>
+            <a:fld id="{9CD8D479-8942-46E8-A226-A4E01F7A105C}" type="slidenum">
+              <a:rPr lang="en-GB" noProof="0" smtClean="0"/>
+              <a:t>17</a:t>
+            </a:fld>
+            <a:endParaRPr lang="en-GB" noProof="0" dirty="0"/>
+          </a:p>
+        </p:txBody>
+      </p:sp>
+    </p:spTree>
+    <p:extLst>
+      <p:ext uri="{BB962C8B-B14F-4D97-AF65-F5344CB8AC3E}">
+        <p14:creationId xmlns:p14="http://schemas.microsoft.com/office/powerpoint/2010/main" val="219689195"/>
+      </p:ext>
+    </p:extLst>
+  </p:cSld>
+  <p:clrMapOvr>
+    <a:masterClrMapping/>
+  </p:clrMapOvr>
+  <mc:AlternateContent xmlns:mc="http://schemas.openxmlformats.org/markup-compatibility/2006" xmlns:p14="http://schemas.microsoft.com/office/powerpoint/2010/main">
+    <mc:Choice Requires="p14">
+      <p:transition spd="med" p14:dur="700">
+        <p:fade/>
+      </p:transition>
+    </mc:Choice>
+    <mc:Fallback xmlns="">
+      <p:transition spd="med">
+        <p:fade/>
+      </p:transition>
+    </mc:Fallback>
+  </mc:AlternateContent>
+</p:sld>
+</file>
+
+<file path=ppt/slides/slide18.xml><?xml version="1.0" encoding="utf-8"?>
+<p:sld xmlns:a="http://schemas.openxmlformats.org/drawingml/2006/main" xmlns:r="http://schemas.openxmlformats.org/officeDocument/2006/relationships" xmlns:p="http://schemas.openxmlformats.org/presentationml/2006/main">
+  <p:cSld>
+    <p:spTree>
+      <p:nvGrpSpPr>
+        <p:cNvPr id="1" name=""/>
+        <p:cNvGrpSpPr/>
+        <p:nvPr/>
+      </p:nvGrpSpPr>
+      <p:grpSpPr>
+        <a:xfrm>
+          <a:off x="0" y="0"/>
+          <a:ext cx="0" cy="0"/>
+          <a:chOff x="0" y="0"/>
+          <a:chExt cx="0" cy="0"/>
+        </a:xfrm>
+      </p:grpSpPr>
+      <p:sp>
+        <p:nvSpPr>
+          <p:cNvPr id="2" name="Title 1">
+            <a:extLst>
+              <a:ext uri="{FF2B5EF4-FFF2-40B4-BE49-F238E27FC236}">
                 <a16:creationId xmlns:a16="http://schemas.microsoft.com/office/drawing/2014/main" id="{8ADD97B8-0B77-88EE-67B9-F27D64CA510E}"/>
               </a:ext>
             </a:extLst>
@@ -11701,7 +12267,7 @@
             <a:pPr rtl="0"/>
             <a:fld id="{9CD8D479-8942-46E8-A226-A4E01F7A105C}" type="slidenum">
               <a:rPr lang="en-GB" noProof="0" smtClean="0"/>
-              <a:t>16</a:t>
+              <a:t>18</a:t>
             </a:fld>
             <a:endParaRPr lang="en-GB" noProof="0" dirty="0"/>
           </a:p>
@@ -12797,6 +13363,118 @@
           <p:cNvPr id="2" name="Title 1">
             <a:extLst>
               <a:ext uri="{FF2B5EF4-FFF2-40B4-BE49-F238E27FC236}">
+                <a16:creationId xmlns:a16="http://schemas.microsoft.com/office/drawing/2014/main" id="{296BD0D6-A37E-B783-9BE5-BD20F12EAD48}"/>
+              </a:ext>
+            </a:extLst>
+          </p:cNvPr>
+          <p:cNvSpPr>
+            <a:spLocks noGrp="1"/>
+          </p:cNvSpPr>
+          <p:nvPr>
+            <p:ph type="title"/>
+          </p:nvPr>
+        </p:nvSpPr>
+        <p:spPr>
+          <a:xfrm>
+            <a:off x="0" y="0"/>
+            <a:ext cx="11353800" cy="1325563"/>
+          </a:xfrm>
+        </p:spPr>
+        <p:txBody>
+          <a:bodyPr vert="horz" lIns="91440" tIns="45720" rIns="91440" bIns="45720" rtlCol="0" anchor="b">
+            <a:normAutofit/>
+          </a:bodyPr>
+          <a:lstStyle/>
+          <a:p>
+            <a:r>
+              <a:rPr lang="en-GB" b="1" dirty="0"/>
+              <a:t>Correlation between CO2 emissions &amp; pollution - </a:t>
+            </a:r>
+          </a:p>
+        </p:txBody>
+      </p:sp>
+      <p:pic>
+        <p:nvPicPr>
+          <p:cNvPr id="5" name="Content Placeholder 4" descr="A graph with blue and orange bars&#10;&#10;Description automatically generated with low confidence">
+            <a:extLst>
+              <a:ext uri="{FF2B5EF4-FFF2-40B4-BE49-F238E27FC236}">
+                <a16:creationId xmlns:a16="http://schemas.microsoft.com/office/drawing/2014/main" id="{3E9DA837-ADF7-99C7-514E-5C97B45CDE26}"/>
+              </a:ext>
+            </a:extLst>
+          </p:cNvPr>
+          <p:cNvPicPr>
+            <a:picLocks noGrp="1" noChangeAspect="1"/>
+          </p:cNvPicPr>
+          <p:nvPr>
+            <p:ph idx="1"/>
+          </p:nvPr>
+        </p:nvPicPr>
+        <p:blipFill>
+          <a:blip r:embed="rId3">
+            <a:extLst>
+              <a:ext uri="{28A0092B-C50C-407E-A947-70E740481C1C}">
+                <a14:useLocalDpi xmlns:a14="http://schemas.microsoft.com/office/drawing/2010/main" val="0"/>
+              </a:ext>
+            </a:extLst>
+          </a:blip>
+          <a:stretch>
+            <a:fillRect/>
+          </a:stretch>
+        </p:blipFill>
+        <p:spPr>
+          <a:xfrm>
+            <a:off x="2730619" y="1238450"/>
+            <a:ext cx="6207641" cy="5619550"/>
+          </a:xfrm>
+        </p:spPr>
+      </p:pic>
+    </p:spTree>
+    <p:extLst>
+      <p:ext uri="{BB962C8B-B14F-4D97-AF65-F5344CB8AC3E}">
+        <p14:creationId xmlns:p14="http://schemas.microsoft.com/office/powerpoint/2010/main" val="1748331638"/>
+      </p:ext>
+    </p:extLst>
+  </p:cSld>
+  <p:clrMapOvr>
+    <a:masterClrMapping/>
+  </p:clrMapOvr>
+  <mc:AlternateContent xmlns:mc="http://schemas.openxmlformats.org/markup-compatibility/2006" xmlns:p14="http://schemas.microsoft.com/office/powerpoint/2010/main">
+    <mc:Choice Requires="p14">
+      <p:transition spd="med" p14:dur="700">
+        <p:fade/>
+      </p:transition>
+    </mc:Choice>
+    <mc:Fallback xmlns="">
+      <p:transition spd="med">
+        <p:fade/>
+      </p:transition>
+    </mc:Fallback>
+  </mc:AlternateContent>
+</p:sld>
+</file>
+
+<file path=ppt/slides/slide8.xml><?xml version="1.0" encoding="utf-8"?>
+<p:sld xmlns:a="http://schemas.openxmlformats.org/drawingml/2006/main" xmlns:r="http://schemas.openxmlformats.org/officeDocument/2006/relationships" xmlns:p="http://schemas.openxmlformats.org/presentationml/2006/main">
+  <p:cSld>
+    <p:spTree>
+      <p:nvGrpSpPr>
+        <p:cNvPr id="1" name=""/>
+        <p:cNvGrpSpPr/>
+        <p:nvPr/>
+      </p:nvGrpSpPr>
+      <p:grpSpPr>
+        <a:xfrm>
+          <a:off x="0" y="0"/>
+          <a:ext cx="0" cy="0"/>
+          <a:chOff x="0" y="0"/>
+          <a:chExt cx="0" cy="0"/>
+        </a:xfrm>
+      </p:grpSpPr>
+      <p:sp>
+        <p:nvSpPr>
+          <p:cNvPr id="2" name="Title 1">
+            <a:extLst>
+              <a:ext uri="{FF2B5EF4-FFF2-40B4-BE49-F238E27FC236}">
                 <a16:creationId xmlns:a16="http://schemas.microsoft.com/office/drawing/2014/main" id="{FDB282B6-5CE7-58D9-38E7-91BE4DBD608F}"/>
               </a:ext>
             </a:extLst>
@@ -12924,7 +13602,7 @@
             <a:pPr rtl="0"/>
             <a:fld id="{9CD8D479-8942-46E8-A226-A4E01F7A105C}" type="slidenum">
               <a:rPr lang="en-GB" noProof="0" smtClean="0"/>
-              <a:t>7</a:t>
+              <a:t>8</a:t>
             </a:fld>
             <a:endParaRPr lang="en-GB" noProof="0" dirty="0"/>
           </a:p>
@@ -13013,7 +13691,7 @@
 </p:sld>
 </file>
 
-<file path=ppt/slides/slide8.xml><?xml version="1.0" encoding="utf-8"?>
+<file path=ppt/slides/slide9.xml><?xml version="1.0" encoding="utf-8"?>
 <p:sld xmlns:a="http://schemas.openxmlformats.org/drawingml/2006/main" xmlns:r="http://schemas.openxmlformats.org/officeDocument/2006/relationships" xmlns:p="http://schemas.openxmlformats.org/presentationml/2006/main">
   <p:cSld>
     <p:spTree>
@@ -13163,7 +13841,7 @@
             <a:pPr rtl="0"/>
             <a:fld id="{9CD8D479-8942-46E8-A226-A4E01F7A105C}" type="slidenum">
               <a:rPr lang="en-GB" noProof="0" smtClean="0"/>
-              <a:t>8</a:t>
+              <a:t>9</a:t>
             </a:fld>
             <a:endParaRPr lang="en-GB" noProof="0" dirty="0"/>
           </a:p>
@@ -13233,237 +13911,6 @@
     <p:extLst>
       <p:ext uri="{BB962C8B-B14F-4D97-AF65-F5344CB8AC3E}">
         <p14:creationId xmlns:p14="http://schemas.microsoft.com/office/powerpoint/2010/main" val="1979595370"/>
-      </p:ext>
-    </p:extLst>
-  </p:cSld>
-  <p:clrMapOvr>
-    <a:masterClrMapping/>
-  </p:clrMapOvr>
-  <mc:AlternateContent xmlns:mc="http://schemas.openxmlformats.org/markup-compatibility/2006" xmlns:p14="http://schemas.microsoft.com/office/powerpoint/2010/main">
-    <mc:Choice Requires="p14">
-      <p:transition spd="med" p14:dur="700">
-        <p:fade/>
-      </p:transition>
-    </mc:Choice>
-    <mc:Fallback xmlns="">
-      <p:transition spd="med">
-        <p:fade/>
-      </p:transition>
-    </mc:Fallback>
-  </mc:AlternateContent>
-</p:sld>
-</file>
-
-<file path=ppt/slides/slide9.xml><?xml version="1.0" encoding="utf-8"?>
-<p:sld xmlns:a="http://schemas.openxmlformats.org/drawingml/2006/main" xmlns:r="http://schemas.openxmlformats.org/officeDocument/2006/relationships" xmlns:p="http://schemas.openxmlformats.org/presentationml/2006/main">
-  <p:cSld>
-    <p:spTree>
-      <p:nvGrpSpPr>
-        <p:cNvPr id="1" name=""/>
-        <p:cNvGrpSpPr/>
-        <p:nvPr/>
-      </p:nvGrpSpPr>
-      <p:grpSpPr>
-        <a:xfrm>
-          <a:off x="0" y="0"/>
-          <a:ext cx="0" cy="0"/>
-          <a:chOff x="0" y="0"/>
-          <a:chExt cx="0" cy="0"/>
-        </a:xfrm>
-      </p:grpSpPr>
-      <p:sp>
-        <p:nvSpPr>
-          <p:cNvPr id="2" name="Title 1">
-            <a:extLst>
-              <a:ext uri="{FF2B5EF4-FFF2-40B4-BE49-F238E27FC236}">
-                <a16:creationId xmlns:a16="http://schemas.microsoft.com/office/drawing/2014/main" id="{CBE79417-1145-FD00-5120-CF4B4B07AA3F}"/>
-              </a:ext>
-            </a:extLst>
-          </p:cNvPr>
-          <p:cNvSpPr>
-            <a:spLocks noGrp="1"/>
-          </p:cNvSpPr>
-          <p:nvPr>
-            <p:ph type="title"/>
-          </p:nvPr>
-        </p:nvSpPr>
-        <p:spPr/>
-        <p:txBody>
-          <a:bodyPr vert="horz" lIns="91440" tIns="45720" rIns="91440" bIns="45720" rtlCol="0" anchor="b">
-            <a:normAutofit/>
-          </a:bodyPr>
-          <a:lstStyle/>
-          <a:p>
-            <a:r>
-              <a:rPr lang="en-GB" b="1" dirty="0">
-                <a:solidFill>
-                  <a:schemeClr val="tx2"/>
-                </a:solidFill>
-              </a:rPr>
-              <a:t>Industries and its Contribution </a:t>
-            </a:r>
-          </a:p>
-        </p:txBody>
-      </p:sp>
-      <p:sp>
-        <p:nvSpPr>
-          <p:cNvPr id="3" name="Content Placeholder 2">
-            <a:extLst>
-              <a:ext uri="{FF2B5EF4-FFF2-40B4-BE49-F238E27FC236}">
-                <a16:creationId xmlns:a16="http://schemas.microsoft.com/office/drawing/2014/main" id="{2BBAADCF-F399-CF24-727B-941146A7BC7B}"/>
-              </a:ext>
-            </a:extLst>
-          </p:cNvPr>
-          <p:cNvSpPr>
-            <a:spLocks noGrp="1"/>
-          </p:cNvSpPr>
-          <p:nvPr>
-            <p:ph idx="1"/>
-          </p:nvPr>
-        </p:nvSpPr>
-        <p:spPr/>
-        <p:txBody>
-          <a:bodyPr/>
-          <a:lstStyle/>
-          <a:p>
-            <a:pPr>
-              <a:lnSpc>
-                <a:spcPct val="107000"/>
-              </a:lnSpc>
-              <a:spcAft>
-                <a:spcPts val="800"/>
-              </a:spcAft>
-            </a:pPr>
-            <a:r>
-              <a:rPr lang="en-GB" sz="1800" kern="100" dirty="0">
-                <a:effectLst/>
-                <a:latin typeface="Calibri" panose="020F0502020204030204" pitchFamily="34" charset="0"/>
-                <a:ea typeface="Calibri" panose="020F0502020204030204" pitchFamily="34" charset="0"/>
-                <a:cs typeface="Times New Roman" panose="02020603050405020304" pitchFamily="18" charset="0"/>
-              </a:rPr>
-              <a:t>Next the source of CO2  was analysed . Again, cleaning and removing unnecessary columns using unique and group by, we can see </a:t>
-            </a:r>
-            <a:r>
-              <a:rPr lang="en-GB" sz="1800" kern="100" dirty="0">
-                <a:effectLst/>
-                <a:highlight>
-                  <a:srgbClr val="FFFF00"/>
-                </a:highlight>
-                <a:latin typeface="Calibri" panose="020F0502020204030204" pitchFamily="34" charset="0"/>
-                <a:ea typeface="Calibri" panose="020F0502020204030204" pitchFamily="34" charset="0"/>
-                <a:cs typeface="Times New Roman" panose="02020603050405020304" pitchFamily="18" charset="0"/>
-              </a:rPr>
-              <a:t>Coal has surpassed oil in resent day as a source of CO2.</a:t>
-            </a:r>
-            <a:r>
-              <a:rPr lang="en-GB" sz="1800" kern="100" dirty="0">
-                <a:effectLst/>
-                <a:latin typeface="Calibri" panose="020F0502020204030204" pitchFamily="34" charset="0"/>
-                <a:ea typeface="Calibri" panose="020F0502020204030204" pitchFamily="34" charset="0"/>
-                <a:cs typeface="Times New Roman" panose="02020603050405020304" pitchFamily="18" charset="0"/>
-              </a:rPr>
-              <a:t> </a:t>
-            </a:r>
-          </a:p>
-          <a:p>
-            <a:endParaRPr lang="en-GB" dirty="0"/>
-          </a:p>
-        </p:txBody>
-      </p:sp>
-      <p:sp>
-        <p:nvSpPr>
-          <p:cNvPr id="4" name="Slide Number Placeholder 3">
-            <a:extLst>
-              <a:ext uri="{FF2B5EF4-FFF2-40B4-BE49-F238E27FC236}">
-                <a16:creationId xmlns:a16="http://schemas.microsoft.com/office/drawing/2014/main" id="{117D3EB9-7EBD-B146-00AE-3BB89103B837}"/>
-              </a:ext>
-            </a:extLst>
-          </p:cNvPr>
-          <p:cNvSpPr>
-            <a:spLocks noGrp="1"/>
-          </p:cNvSpPr>
-          <p:nvPr>
-            <p:ph type="sldNum" sz="quarter" idx="12"/>
-          </p:nvPr>
-        </p:nvSpPr>
-        <p:spPr/>
-        <p:txBody>
-          <a:bodyPr/>
-          <a:lstStyle/>
-          <a:p>
-            <a:pPr rtl="0"/>
-            <a:fld id="{9CD8D479-8942-46E8-A226-A4E01F7A105C}" type="slidenum">
-              <a:rPr lang="en-GB" noProof="0" smtClean="0"/>
-              <a:t>9</a:t>
-            </a:fld>
-            <a:endParaRPr lang="en-GB" noProof="0" dirty="0"/>
-          </a:p>
-        </p:txBody>
-      </p:sp>
-      <p:pic>
-        <p:nvPicPr>
-          <p:cNvPr id="6" name="Picture 5">
-            <a:extLst>
-              <a:ext uri="{FF2B5EF4-FFF2-40B4-BE49-F238E27FC236}">
-                <a16:creationId xmlns:a16="http://schemas.microsoft.com/office/drawing/2014/main" id="{75BE03B8-BE63-FF18-E272-64B4B8A6B565}"/>
-              </a:ext>
-            </a:extLst>
-          </p:cNvPr>
-          <p:cNvPicPr>
-            <a:picLocks noChangeAspect="1"/>
-          </p:cNvPicPr>
-          <p:nvPr/>
-        </p:nvPicPr>
-        <p:blipFill>
-          <a:blip r:embed="rId2"/>
-          <a:stretch>
-            <a:fillRect/>
-          </a:stretch>
-        </p:blipFill>
-        <p:spPr>
-          <a:xfrm>
-            <a:off x="1747837" y="2758349"/>
-            <a:ext cx="5362575" cy="3028950"/>
-          </a:xfrm>
-          <a:prstGeom prst="rect">
-            <a:avLst/>
-          </a:prstGeom>
-        </p:spPr>
-      </p:pic>
-      <p:pic>
-        <p:nvPicPr>
-          <p:cNvPr id="8" name="Picture 7">
-            <a:extLst>
-              <a:ext uri="{FF2B5EF4-FFF2-40B4-BE49-F238E27FC236}">
-                <a16:creationId xmlns:a16="http://schemas.microsoft.com/office/drawing/2014/main" id="{568355DE-4216-1B1B-D959-3B5823EB3702}"/>
-              </a:ext>
-            </a:extLst>
-          </p:cNvPr>
-          <p:cNvPicPr>
-            <a:picLocks noChangeAspect="1"/>
-          </p:cNvPicPr>
-          <p:nvPr/>
-        </p:nvPicPr>
-        <p:blipFill>
-          <a:blip r:embed="rId3"/>
-          <a:stretch>
-            <a:fillRect/>
-          </a:stretch>
-        </p:blipFill>
-        <p:spPr>
-          <a:xfrm>
-            <a:off x="7296150" y="2343150"/>
-            <a:ext cx="4324350" cy="3657600"/>
-          </a:xfrm>
-          <a:prstGeom prst="rect">
-            <a:avLst/>
-          </a:prstGeom>
-        </p:spPr>
-      </p:pic>
-    </p:spTree>
-    <p:extLst>
-      <p:ext uri="{BB962C8B-B14F-4D97-AF65-F5344CB8AC3E}">
-        <p14:creationId xmlns:p14="http://schemas.microsoft.com/office/powerpoint/2010/main" val="3832853160"/>
       </p:ext>
     </p:extLst>
   </p:cSld>
